--- a/Ch1.pptx
+++ b/Ch1.pptx
@@ -2733,7 +2733,7 @@
           <a:p>
             <a:fld id="{B6AEEE84-917E-4416-9A49-F721DADF9344}" type="datetimeFigureOut">
               <a:rPr lang="vi-VN" smtClean="0"/>
-              <a:t>16/08/2016</a:t>
+              <a:t>19/08/2016</a:t>
             </a:fld>
             <a:endParaRPr lang="vi-VN"/>
           </a:p>
@@ -3625,7 +3625,7 @@
               </a:lnSpc>
             </a:pPr>
             <a:r>
-              <a:rPr lang="en-US" sz="3200" strike="noStrike" spc="-1">
+              <a:rPr lang="en-US" sz="3200" strike="noStrike" spc="-1" smtClean="0">
                 <a:solidFill>
                   <a:srgbClr val="8B8B8B"/>
                 </a:solidFill>
@@ -3636,9 +3636,9 @@
                 </a:uFill>
                 <a:latin typeface="Calibri"/>
               </a:rPr>
-              <a:t>Lecture 1</a:t>
-            </a:r>
-            <a:endParaRPr/>
+              <a:t>Lecture</a:t>
+            </a:r>
+            <a:endParaRPr dirty="0"/>
           </a:p>
         </p:txBody>
       </p:sp>
